--- a/KnowledgeOfImageProcessing.pptx
+++ b/KnowledgeOfImageProcessing.pptx
@@ -16,7 +16,13 @@
     <p:sldId id="264" r:id="rId10"/>
     <p:sldId id="265" r:id="rId11"/>
     <p:sldId id="266" r:id="rId12"/>
-    <p:sldId id="267" r:id="rId13"/>
+    <p:sldId id="268" r:id="rId13"/>
+    <p:sldId id="269" r:id="rId14"/>
+    <p:sldId id="270" r:id="rId15"/>
+    <p:sldId id="271" r:id="rId16"/>
+    <p:sldId id="272" r:id="rId17"/>
+    <p:sldId id="273" r:id="rId18"/>
+    <p:sldId id="267" r:id="rId19"/>
   </p:sldIdLst>
   <p:sldSz cx="9144000" cy="6858000" type="screen4x3"/>
   <p:notesSz cx="6858000" cy="9144000"/>
@@ -300,7 +306,7 @@
             <a:fld id="{A38CEC15-68CC-4A98-8840-04375EEAA46C}" type="datetimeFigureOut">
               <a:rPr lang="en-US" smtClean="0"/>
               <a:pPr/>
-              <a:t>6/2/2016</a:t>
+              <a:t>6/3/2016</a:t>
             </a:fld>
             <a:endParaRPr lang="en-US"/>
           </a:p>
@@ -467,7 +473,7 @@
             <a:fld id="{A38CEC15-68CC-4A98-8840-04375EEAA46C}" type="datetimeFigureOut">
               <a:rPr lang="en-US" smtClean="0"/>
               <a:pPr/>
-              <a:t>6/2/2016</a:t>
+              <a:t>6/3/2016</a:t>
             </a:fld>
             <a:endParaRPr lang="en-US"/>
           </a:p>
@@ -644,7 +650,7 @@
             <a:fld id="{A38CEC15-68CC-4A98-8840-04375EEAA46C}" type="datetimeFigureOut">
               <a:rPr lang="en-US" smtClean="0"/>
               <a:pPr/>
-              <a:t>6/2/2016</a:t>
+              <a:t>6/3/2016</a:t>
             </a:fld>
             <a:endParaRPr lang="en-US"/>
           </a:p>
@@ -811,7 +817,7 @@
             <a:fld id="{A38CEC15-68CC-4A98-8840-04375EEAA46C}" type="datetimeFigureOut">
               <a:rPr lang="en-US" smtClean="0"/>
               <a:pPr/>
-              <a:t>6/2/2016</a:t>
+              <a:t>6/3/2016</a:t>
             </a:fld>
             <a:endParaRPr lang="en-US"/>
           </a:p>
@@ -1054,7 +1060,7 @@
             <a:fld id="{A38CEC15-68CC-4A98-8840-04375EEAA46C}" type="datetimeFigureOut">
               <a:rPr lang="en-US" smtClean="0"/>
               <a:pPr/>
-              <a:t>6/2/2016</a:t>
+              <a:t>6/3/2016</a:t>
             </a:fld>
             <a:endParaRPr lang="en-US"/>
           </a:p>
@@ -1339,7 +1345,7 @@
             <a:fld id="{A38CEC15-68CC-4A98-8840-04375EEAA46C}" type="datetimeFigureOut">
               <a:rPr lang="en-US" smtClean="0"/>
               <a:pPr/>
-              <a:t>6/2/2016</a:t>
+              <a:t>6/3/2016</a:t>
             </a:fld>
             <a:endParaRPr lang="en-US"/>
           </a:p>
@@ -1758,7 +1764,7 @@
             <a:fld id="{A38CEC15-68CC-4A98-8840-04375EEAA46C}" type="datetimeFigureOut">
               <a:rPr lang="en-US" smtClean="0"/>
               <a:pPr/>
-              <a:t>6/2/2016</a:t>
+              <a:t>6/3/2016</a:t>
             </a:fld>
             <a:endParaRPr lang="en-US"/>
           </a:p>
@@ -1873,7 +1879,7 @@
             <a:fld id="{A38CEC15-68CC-4A98-8840-04375EEAA46C}" type="datetimeFigureOut">
               <a:rPr lang="en-US" smtClean="0"/>
               <a:pPr/>
-              <a:t>6/2/2016</a:t>
+              <a:t>6/3/2016</a:t>
             </a:fld>
             <a:endParaRPr lang="en-US"/>
           </a:p>
@@ -1965,7 +1971,7 @@
             <a:fld id="{A38CEC15-68CC-4A98-8840-04375EEAA46C}" type="datetimeFigureOut">
               <a:rPr lang="en-US" smtClean="0"/>
               <a:pPr/>
-              <a:t>6/2/2016</a:t>
+              <a:t>6/3/2016</a:t>
             </a:fld>
             <a:endParaRPr lang="en-US"/>
           </a:p>
@@ -2239,7 +2245,7 @@
             <a:fld id="{A38CEC15-68CC-4A98-8840-04375EEAA46C}" type="datetimeFigureOut">
               <a:rPr lang="en-US" smtClean="0"/>
               <a:pPr/>
-              <a:t>6/2/2016</a:t>
+              <a:t>6/3/2016</a:t>
             </a:fld>
             <a:endParaRPr lang="en-US"/>
           </a:p>
@@ -2489,7 +2495,7 @@
             <a:fld id="{A38CEC15-68CC-4A98-8840-04375EEAA46C}" type="datetimeFigureOut">
               <a:rPr lang="en-US" smtClean="0"/>
               <a:pPr/>
-              <a:t>6/2/2016</a:t>
+              <a:t>6/3/2016</a:t>
             </a:fld>
             <a:endParaRPr lang="en-US"/>
           </a:p>
@@ -2699,7 +2705,7 @@
             <a:fld id="{A38CEC15-68CC-4A98-8840-04375EEAA46C}" type="datetimeFigureOut">
               <a:rPr lang="en-US" smtClean="0"/>
               <a:pPr/>
-              <a:t>6/2/2016</a:t>
+              <a:t>6/3/2016</a:t>
             </a:fld>
             <a:endParaRPr lang="en-US"/>
           </a:p>
@@ -3087,7 +3093,30 @@
           <a:p>
             <a:r>
               <a:rPr lang="en-US" dirty="0" smtClean="0"/>
-              <a:t>Knowledge of Image Processing</a:t>
+              <a:t>Knowledge of Image </a:t>
+            </a:r>
+            <a:r>
+              <a:rPr lang="en-US" dirty="0" smtClean="0"/>
+              <a:t>Processing</a:t>
+            </a:r>
+            <a:br>
+              <a:rPr lang="en-US" dirty="0" smtClean="0"/>
+            </a:br>
+            <a:r>
+              <a:rPr lang="en-US" dirty="0" smtClean="0"/>
+              <a:t>and Computer Vision</a:t>
+            </a:r>
+            <a:r>
+              <a:rPr lang="en-US" dirty="0" smtClean="0"/>
+              <a:t>(</a:t>
+            </a:r>
+            <a:r>
+              <a:rPr lang="en-US" dirty="0" err="1" smtClean="0"/>
+              <a:t>OpenCV</a:t>
+            </a:r>
+            <a:r>
+              <a:rPr lang="en-US" dirty="0" smtClean="0"/>
+              <a:t>)</a:t>
             </a:r>
             <a:endParaRPr lang="en-US" dirty="0"/>
           </a:p>
@@ -3385,6 +3414,61 @@
           </a:bodyPr>
           <a:lstStyle/>
           <a:p>
+            <a:r>
+              <a:rPr lang="en-US" sz="2000" dirty="0" smtClean="0"/>
+              <a:t>Object detection usually consists of two steps: feature detection and classification</a:t>
+            </a:r>
+            <a:r>
+              <a:rPr lang="en-US" sz="2000" dirty="0" smtClean="0"/>
+              <a:t>.</a:t>
+            </a:r>
+          </a:p>
+          <a:p>
+            <a:r>
+              <a:rPr lang="en-US" sz="2000" dirty="0" smtClean="0"/>
+              <a:t>In the feature detection step, the relevant features of the object to be detected are gathered. </a:t>
+            </a:r>
+            <a:endParaRPr lang="en-US" sz="2000" dirty="0" smtClean="0"/>
+          </a:p>
+          <a:p>
+            <a:r>
+              <a:rPr lang="en-US" sz="2000" dirty="0" smtClean="0"/>
+              <a:t>These </a:t>
+            </a:r>
+            <a:r>
+              <a:rPr lang="en-US" sz="2000" dirty="0" smtClean="0"/>
+              <a:t>features </a:t>
+            </a:r>
+            <a:r>
+              <a:rPr lang="en-US" sz="2000" dirty="0" smtClean="0"/>
+              <a:t>are input to the second step, classification</a:t>
+            </a:r>
+            <a:r>
+              <a:rPr lang="en-US" sz="2000" dirty="0" smtClean="0"/>
+              <a:t>.</a:t>
+            </a:r>
+          </a:p>
+          <a:p>
+            <a:r>
+              <a:rPr lang="en-US" sz="2000" dirty="0" smtClean="0"/>
+              <a:t>First, a classifier (namely a </a:t>
+            </a:r>
+            <a:r>
+              <a:rPr lang="en-US" sz="2000" i="1" dirty="0" smtClean="0"/>
+              <a:t>cascade of boosted classifiers working with </a:t>
+            </a:r>
+            <a:r>
+              <a:rPr lang="en-US" sz="2000" i="1" dirty="0" err="1" smtClean="0"/>
+              <a:t>haar</a:t>
+            </a:r>
+            <a:r>
+              <a:rPr lang="en-US" sz="2000" i="1" dirty="0" smtClean="0"/>
+              <a:t>-like features</a:t>
+            </a:r>
+            <a:r>
+              <a:rPr lang="en-US" sz="2000" dirty="0" smtClean="0"/>
+              <a:t>) is trained with a few hundred sample views of a particular object (i.e., a face or a car), called positive examples, that are scaled to the same size (say, 20x20), and negative examples - arbitrary images of the same size.</a:t>
+            </a:r>
             <a:endParaRPr lang="en-US" sz="2000" dirty="0"/>
           </a:p>
         </p:txBody>
@@ -3394,6 +3478,13 @@
   <p:clrMapOvr>
     <a:masterClrMapping/>
   </p:clrMapOvr>
+  <p:timing>
+    <p:tnLst>
+      <p:par>
+        <p:cTn id="1" dur="indefinite" restart="never" nodeType="tmRoot"/>
+      </p:par>
+    </p:tnLst>
+  </p:timing>
 </p:sld>
 </file>
 
@@ -3433,7 +3524,7 @@
           <a:p>
             <a:r>
               <a:rPr lang="en-US" sz="3200" dirty="0" smtClean="0"/>
-              <a:t>References and Sources</a:t>
+              <a:t>Cascade Classifier</a:t>
             </a:r>
             <a:endParaRPr lang="en-US" sz="3200" dirty="0"/>
           </a:p>
@@ -3457,117 +3548,1651 @@
           <a:lstStyle/>
           <a:p>
             <a:r>
-              <a:rPr lang="en-US" sz="2000" dirty="0" smtClean="0">
-                <a:hlinkClick r:id="rId2"/>
-              </a:rPr>
-              <a:t>http://</a:t>
-            </a:r>
-            <a:r>
-              <a:rPr lang="en-US" sz="2000" dirty="0" smtClean="0">
-                <a:hlinkClick r:id="rId2"/>
-              </a:rPr>
-              <a:t>docs.opencv.org</a:t>
+              <a:rPr lang="en-US" sz="2000" dirty="0" smtClean="0"/>
+              <a:t>Initially, the algorithm needs a lot of positive images (images of faces) and negative images (images without faces) to train the classifier. </a:t>
             </a:r>
             <a:endParaRPr lang="en-US" sz="2000" dirty="0" smtClean="0"/>
           </a:p>
           <a:p>
             <a:r>
-              <a:rPr lang="en-US" sz="2000" dirty="0" smtClean="0">
-                <a:hlinkClick r:id="rId3"/>
-              </a:rPr>
-              <a:t>http://</a:t>
-            </a:r>
-            <a:r>
-              <a:rPr lang="en-US" sz="2000" dirty="0" smtClean="0">
-                <a:hlinkClick r:id="rId3"/>
-              </a:rPr>
-              <a:t>opencv-python-tutroals.readthedocs.io</a:t>
-            </a:r>
-            <a:endParaRPr lang="en-US" sz="2000" dirty="0" smtClean="0"/>
-          </a:p>
-          <a:p>
-            <a:r>
-              <a:rPr lang="en-US" sz="2000" dirty="0" smtClean="0">
-                <a:hlinkClick r:id="rId4"/>
-              </a:rPr>
-              <a:t>http://opencv-java-tutorials.readthedocs.io</a:t>
-            </a:r>
-            <a:r>
-              <a:rPr lang="en-US" sz="2000" dirty="0" smtClean="0">
-                <a:hlinkClick r:id="rId4"/>
-              </a:rPr>
-              <a:t>/</a:t>
-            </a:r>
-            <a:endParaRPr lang="en-US" sz="2000" dirty="0" smtClean="0"/>
-          </a:p>
-          <a:p>
-            <a:r>
-              <a:rPr lang="en-US" sz="2000" dirty="0" smtClean="0"/>
-              <a:t>Learning </a:t>
-            </a:r>
-            <a:r>
-              <a:rPr lang="en-US" sz="2000" dirty="0" err="1" smtClean="0"/>
-              <a:t>OpenCV</a:t>
-            </a:r>
-            <a:r>
-              <a:rPr lang="en-US" sz="2000" dirty="0" smtClean="0"/>
-              <a:t> by </a:t>
-            </a:r>
-            <a:r>
-              <a:rPr lang="en-US" sz="2000" dirty="0" smtClean="0"/>
-              <a:t>Adrian </a:t>
-            </a:r>
-            <a:r>
-              <a:rPr lang="en-US" sz="2000" dirty="0" err="1" smtClean="0"/>
-              <a:t>Kaehler</a:t>
-            </a:r>
-            <a:r>
-              <a:rPr lang="en-US" sz="2000" dirty="0" smtClean="0"/>
-              <a:t> and Gary </a:t>
-            </a:r>
-            <a:r>
-              <a:rPr lang="en-US" sz="2000" dirty="0" err="1" smtClean="0"/>
-              <a:t>Rost</a:t>
-            </a:r>
-            <a:r>
-              <a:rPr lang="en-US" sz="2000" dirty="0" smtClean="0"/>
-              <a:t> </a:t>
-            </a:r>
-            <a:r>
-              <a:rPr lang="en-US" sz="2000" dirty="0" err="1" smtClean="0"/>
-              <a:t>Bradski</a:t>
-            </a:r>
-            <a:endParaRPr lang="en-US" sz="2000" dirty="0" smtClean="0"/>
-          </a:p>
-          <a:p>
-            <a:r>
-              <a:rPr lang="en-US" sz="2000" dirty="0" smtClean="0"/>
-              <a:t>Computer Vision: Algorithms and </a:t>
-            </a:r>
-            <a:r>
-              <a:rPr lang="en-US" sz="2000" dirty="0" smtClean="0"/>
-              <a:t>Applications by </a:t>
-            </a:r>
-            <a:r>
-              <a:rPr lang="en-US" sz="2000" dirty="0" smtClean="0"/>
-              <a:t>Richard </a:t>
-            </a:r>
-            <a:r>
-              <a:rPr lang="en-US" sz="2000" dirty="0" err="1" smtClean="0"/>
-              <a:t>Szeliski</a:t>
-            </a:r>
-            <a:endParaRPr lang="en-US" sz="2000" dirty="0" smtClean="0"/>
-          </a:p>
-          <a:p>
+              <a:rPr lang="en-US" sz="2000" dirty="0" smtClean="0"/>
+              <a:t>Each feature is a single value obtained by subtracting sum of pixels under white rectangle from sum of pixels under black rectangle.</a:t>
+            </a:r>
             <a:endParaRPr lang="en-US" sz="2000" dirty="0"/>
           </a:p>
         </p:txBody>
       </p:sp>
+      <p:pic>
+        <p:nvPicPr>
+          <p:cNvPr id="1026" name="Picture 2"/>
+          <p:cNvPicPr>
+            <a:picLocks noChangeAspect="1" noChangeArrowheads="1"/>
+          </p:cNvPicPr>
+          <p:nvPr/>
+        </p:nvPicPr>
+        <p:blipFill>
+          <a:blip r:embed="rId2"/>
+          <a:srcRect/>
+          <a:stretch>
+            <a:fillRect/>
+          </a:stretch>
+        </p:blipFill>
+        <p:spPr bwMode="auto">
+          <a:xfrm>
+            <a:off x="2286000" y="3152775"/>
+            <a:ext cx="3371850" cy="2562225"/>
+          </a:xfrm>
+          <a:prstGeom prst="rect">
+            <a:avLst/>
+          </a:prstGeom>
+          <a:noFill/>
+          <a:ln w="9525">
+            <a:noFill/>
+            <a:miter lim="800000"/>
+            <a:headEnd/>
+            <a:tailEnd/>
+          </a:ln>
+          <a:effectLst/>
+        </p:spPr>
+      </p:pic>
     </p:spTree>
   </p:cSld>
   <p:clrMapOvr>
     <a:masterClrMapping/>
   </p:clrMapOvr>
+  <p:timing>
+    <p:tnLst>
+      <p:par>
+        <p:cTn id="1" dur="indefinite" restart="never" nodeType="tmRoot"/>
+      </p:par>
+    </p:tnLst>
+  </p:timing>
+</p:sld>
+</file>
+
+<file path=ppt/slides/slide13.xml><?xml version="1.0" encoding="utf-8"?>
+<p:sld xmlns:a="http://schemas.openxmlformats.org/drawingml/2006/main" xmlns:r="http://schemas.openxmlformats.org/officeDocument/2006/relationships" xmlns:p="http://schemas.openxmlformats.org/presentationml/2006/main">
+  <p:cSld>
+    <p:spTree>
+      <p:nvGrpSpPr>
+        <p:cNvPr id="1" name=""/>
+        <p:cNvGrpSpPr/>
+        <p:nvPr/>
+      </p:nvGrpSpPr>
+      <p:grpSpPr>
+        <a:xfrm>
+          <a:off x="0" y="0"/>
+          <a:ext cx="0" cy="0"/>
+          <a:chOff x="0" y="0"/>
+          <a:chExt cx="0" cy="0"/>
+        </a:xfrm>
+      </p:grpSpPr>
+      <p:sp>
+        <p:nvSpPr>
+          <p:cNvPr id="2" name="Title 1"/>
+          <p:cNvSpPr>
+            <a:spLocks noGrp="1"/>
+          </p:cNvSpPr>
+          <p:nvPr>
+            <p:ph type="title"/>
+          </p:nvPr>
+        </p:nvSpPr>
+        <p:spPr/>
+        <p:txBody>
+          <a:bodyPr>
+            <a:normAutofit/>
+          </a:bodyPr>
+          <a:lstStyle/>
+          <a:p>
+            <a:r>
+              <a:rPr lang="en-US" sz="3200" dirty="0" smtClean="0"/>
+              <a:t>Cascade Classifier</a:t>
+            </a:r>
+            <a:endParaRPr lang="en-US" sz="3200" dirty="0"/>
+          </a:p>
+        </p:txBody>
+      </p:sp>
+      <p:sp>
+        <p:nvSpPr>
+          <p:cNvPr id="3" name="Content Placeholder 2"/>
+          <p:cNvSpPr>
+            <a:spLocks noGrp="1"/>
+          </p:cNvSpPr>
+          <p:nvPr>
+            <p:ph idx="1"/>
+          </p:nvPr>
+        </p:nvSpPr>
+        <p:spPr/>
+        <p:txBody>
+          <a:bodyPr>
+            <a:normAutofit/>
+          </a:bodyPr>
+          <a:lstStyle/>
+          <a:p>
+            <a:r>
+              <a:rPr lang="en-US" sz="2000" dirty="0" smtClean="0"/>
+              <a:t>If </a:t>
+            </a:r>
+            <a:r>
+              <a:rPr lang="en-US" sz="2000" dirty="0" smtClean="0"/>
+              <a:t>we want </a:t>
+            </a:r>
+            <a:r>
+              <a:rPr lang="en-US" sz="2000" dirty="0" smtClean="0"/>
+              <a:t>to train </a:t>
+            </a:r>
+            <a:r>
+              <a:rPr lang="en-US" sz="2000" dirty="0" smtClean="0"/>
+              <a:t>our own </a:t>
+            </a:r>
+            <a:r>
+              <a:rPr lang="en-US" sz="2000" dirty="0" smtClean="0"/>
+              <a:t>classifier for any object like car, planes etc. </a:t>
+            </a:r>
+            <a:r>
+              <a:rPr lang="en-US" sz="2000" dirty="0" smtClean="0"/>
+              <a:t>we can </a:t>
+            </a:r>
+            <a:r>
+              <a:rPr lang="en-US" sz="2000" dirty="0" smtClean="0"/>
+              <a:t>use </a:t>
+            </a:r>
+            <a:r>
+              <a:rPr lang="en-US" sz="2000" dirty="0" err="1" smtClean="0"/>
+              <a:t>OpenCV</a:t>
+            </a:r>
+            <a:r>
+              <a:rPr lang="en-US" sz="2000" dirty="0" smtClean="0"/>
+              <a:t> to create one</a:t>
+            </a:r>
+            <a:r>
+              <a:rPr lang="en-US" sz="2000" dirty="0" smtClean="0"/>
+              <a:t>.</a:t>
+            </a:r>
+          </a:p>
+          <a:p>
+            <a:r>
+              <a:rPr lang="en-US" sz="2000" dirty="0" smtClean="0"/>
+              <a:t>There are utility applications for training </a:t>
+            </a:r>
+            <a:r>
+              <a:rPr lang="en-US" sz="2000" dirty="0" err="1" smtClean="0"/>
+              <a:t>OpenCV</a:t>
+            </a:r>
+            <a:r>
+              <a:rPr lang="en-US" sz="2000" dirty="0" smtClean="0"/>
+              <a:t>:</a:t>
+            </a:r>
+          </a:p>
+          <a:p>
+            <a:pPr>
+              <a:buNone/>
+            </a:pPr>
+            <a:r>
+              <a:rPr lang="en-US" sz="2000" dirty="0" smtClean="0"/>
+              <a:t> </a:t>
+            </a:r>
+            <a:r>
+              <a:rPr lang="en-US" sz="2000" dirty="0" smtClean="0"/>
+              <a:t>        </a:t>
+            </a:r>
+            <a:r>
+              <a:rPr lang="en-US" sz="2000" b="1" i="1" dirty="0" err="1" smtClean="0"/>
+              <a:t>opencv_traincascade</a:t>
+            </a:r>
+            <a:r>
+              <a:rPr lang="en-US" sz="2000" b="1" i="1" dirty="0" smtClean="0"/>
+              <a:t> </a:t>
+            </a:r>
+            <a:r>
+              <a:rPr lang="en-US" sz="2000" dirty="0" smtClean="0"/>
+              <a:t>and </a:t>
+            </a:r>
+            <a:r>
+              <a:rPr lang="en-US" sz="2000" b="1" i="1" dirty="0" err="1" smtClean="0"/>
+              <a:t>opencv_createsamples</a:t>
+            </a:r>
+            <a:endParaRPr lang="en-US" sz="2000" b="1" i="1" dirty="0"/>
+          </a:p>
+        </p:txBody>
+      </p:sp>
+      <p:pic>
+        <p:nvPicPr>
+          <p:cNvPr id="2051" name="Picture 3"/>
+          <p:cNvPicPr>
+            <a:picLocks noChangeAspect="1" noChangeArrowheads="1"/>
+          </p:cNvPicPr>
+          <p:nvPr/>
+        </p:nvPicPr>
+        <p:blipFill>
+          <a:blip r:embed="rId2"/>
+          <a:srcRect/>
+          <a:stretch>
+            <a:fillRect/>
+          </a:stretch>
+        </p:blipFill>
+        <p:spPr bwMode="auto">
+          <a:xfrm>
+            <a:off x="2590800" y="3571875"/>
+            <a:ext cx="2657475" cy="1685925"/>
+          </a:xfrm>
+          <a:prstGeom prst="rect">
+            <a:avLst/>
+          </a:prstGeom>
+          <a:noFill/>
+          <a:ln w="9525">
+            <a:noFill/>
+            <a:miter lim="800000"/>
+            <a:headEnd/>
+            <a:tailEnd/>
+          </a:ln>
+          <a:effectLst/>
+        </p:spPr>
+      </p:pic>
+    </p:spTree>
+  </p:cSld>
+  <p:clrMapOvr>
+    <a:masterClrMapping/>
+  </p:clrMapOvr>
+  <p:timing>
+    <p:tnLst>
+      <p:par>
+        <p:cTn id="1" dur="indefinite" restart="never" nodeType="tmRoot"/>
+      </p:par>
+    </p:tnLst>
+  </p:timing>
+</p:sld>
+</file>
+
+<file path=ppt/slides/slide14.xml><?xml version="1.0" encoding="utf-8"?>
+<p:sld xmlns:a="http://schemas.openxmlformats.org/drawingml/2006/main" xmlns:r="http://schemas.openxmlformats.org/officeDocument/2006/relationships" xmlns:p="http://schemas.openxmlformats.org/presentationml/2006/main">
+  <p:cSld>
+    <p:spTree>
+      <p:nvGrpSpPr>
+        <p:cNvPr id="1" name=""/>
+        <p:cNvGrpSpPr/>
+        <p:nvPr/>
+      </p:nvGrpSpPr>
+      <p:grpSpPr>
+        <a:xfrm>
+          <a:off x="0" y="0"/>
+          <a:ext cx="0" cy="0"/>
+          <a:chOff x="0" y="0"/>
+          <a:chExt cx="0" cy="0"/>
+        </a:xfrm>
+      </p:grpSpPr>
+      <p:sp>
+        <p:nvSpPr>
+          <p:cNvPr id="2" name="Title 1"/>
+          <p:cNvSpPr>
+            <a:spLocks noGrp="1"/>
+          </p:cNvSpPr>
+          <p:nvPr>
+            <p:ph type="title"/>
+          </p:nvPr>
+        </p:nvSpPr>
+        <p:spPr/>
+        <p:txBody>
+          <a:bodyPr>
+            <a:normAutofit/>
+          </a:bodyPr>
+          <a:lstStyle/>
+          <a:p>
+            <a:r>
+              <a:rPr lang="en-US" sz="3200" dirty="0" smtClean="0"/>
+              <a:t>Detection of Any Kinds of Objects by </a:t>
+            </a:r>
+            <a:r>
+              <a:rPr lang="en-US" sz="3200" dirty="0" err="1" smtClean="0"/>
+              <a:t>OpenCV</a:t>
+            </a:r>
+            <a:endParaRPr lang="en-US" sz="3200" dirty="0"/>
+          </a:p>
+        </p:txBody>
+      </p:sp>
+      <p:sp>
+        <p:nvSpPr>
+          <p:cNvPr id="3" name="Content Placeholder 2"/>
+          <p:cNvSpPr>
+            <a:spLocks noGrp="1"/>
+          </p:cNvSpPr>
+          <p:nvPr>
+            <p:ph idx="1"/>
+          </p:nvPr>
+        </p:nvSpPr>
+        <p:spPr/>
+        <p:txBody>
+          <a:bodyPr>
+            <a:normAutofit lnSpcReduction="10000"/>
+          </a:bodyPr>
+          <a:lstStyle/>
+          <a:p>
+            <a:r>
+              <a:rPr lang="en-US" sz="2000" dirty="0" smtClean="0"/>
+              <a:t>We can detect any kinds of objects by using </a:t>
+            </a:r>
+            <a:r>
+              <a:rPr lang="en-US" sz="2000" dirty="0" err="1" smtClean="0"/>
+              <a:t>OpenCV</a:t>
+            </a:r>
+            <a:r>
+              <a:rPr lang="en-US" sz="2000" dirty="0" smtClean="0"/>
+              <a:t> </a:t>
+            </a:r>
+            <a:r>
+              <a:rPr lang="en-US" sz="2000" dirty="0" smtClean="0"/>
+              <a:t>by training cascade classifiers for the types of objects we want to detect.</a:t>
+            </a:r>
+          </a:p>
+          <a:p>
+            <a:r>
+              <a:rPr lang="en-US" sz="2000" dirty="0" smtClean="0">
+                <a:solidFill>
+                  <a:schemeClr val="accent6">
+                    <a:lumMod val="50000"/>
+                  </a:schemeClr>
+                </a:solidFill>
+              </a:rPr>
+              <a:t>Note: Training cascade classifiers need a large numbers of positive images and negative images (a few hundreds of images or thousands of images).</a:t>
+            </a:r>
+          </a:p>
+          <a:p>
+            <a:r>
+              <a:rPr lang="en-US" sz="2000" dirty="0" smtClean="0"/>
+              <a:t>The more exact results we want, the more images we need to train cascade.</a:t>
+            </a:r>
+          </a:p>
+          <a:p>
+            <a:pPr>
+              <a:buNone/>
+            </a:pPr>
+            <a:r>
+              <a:rPr lang="en-US" sz="2000" dirty="0" smtClean="0"/>
+              <a:t>      Loads </a:t>
+            </a:r>
+            <a:r>
+              <a:rPr lang="en-US" sz="2000" dirty="0" smtClean="0"/>
+              <a:t>a classifier from a file.</a:t>
+            </a:r>
+          </a:p>
+          <a:p>
+            <a:pPr>
+              <a:buNone/>
+            </a:pPr>
+            <a:r>
+              <a:rPr lang="en-US" sz="2000" b="1" dirty="0" smtClean="0"/>
+              <a:t>      C</a:t>
+            </a:r>
+            <a:r>
+              <a:rPr lang="en-US" sz="2000" b="1" dirty="0" smtClean="0"/>
+              <a:t>++:</a:t>
+            </a:r>
+            <a:r>
+              <a:rPr lang="en-US" sz="2000" dirty="0" smtClean="0"/>
+              <a:t> </a:t>
+            </a:r>
+            <a:r>
+              <a:rPr lang="en-US" sz="1800" dirty="0" err="1" smtClean="0">
+                <a:solidFill>
+                  <a:schemeClr val="tx2">
+                    <a:lumMod val="60000"/>
+                    <a:lumOff val="40000"/>
+                  </a:schemeClr>
+                </a:solidFill>
+              </a:rPr>
+              <a:t>bool</a:t>
+            </a:r>
+            <a:r>
+              <a:rPr lang="en-US" sz="1800" dirty="0" smtClean="0">
+                <a:solidFill>
+                  <a:schemeClr val="tx2">
+                    <a:lumMod val="60000"/>
+                    <a:lumOff val="40000"/>
+                  </a:schemeClr>
+                </a:solidFill>
+              </a:rPr>
+              <a:t> </a:t>
+            </a:r>
+            <a:r>
+              <a:rPr lang="en-US" sz="1800" dirty="0" err="1" smtClean="0">
+                <a:solidFill>
+                  <a:schemeClr val="tx2">
+                    <a:lumMod val="60000"/>
+                    <a:lumOff val="40000"/>
+                  </a:schemeClr>
+                </a:solidFill>
+              </a:rPr>
+              <a:t>CascadeClassifier</a:t>
+            </a:r>
+            <a:r>
+              <a:rPr lang="en-US" sz="1800" dirty="0" smtClean="0">
+                <a:solidFill>
+                  <a:schemeClr val="tx2">
+                    <a:lumMod val="60000"/>
+                    <a:lumOff val="40000"/>
+                  </a:schemeClr>
+                </a:solidFill>
+              </a:rPr>
+              <a:t>::load(const string&amp; </a:t>
+            </a:r>
+            <a:r>
+              <a:rPr lang="en-US" sz="1800" b="1" dirty="0" smtClean="0">
+                <a:solidFill>
+                  <a:schemeClr val="tx2">
+                    <a:lumMod val="60000"/>
+                    <a:lumOff val="40000"/>
+                  </a:schemeClr>
+                </a:solidFill>
+              </a:rPr>
+              <a:t>filename</a:t>
+            </a:r>
+            <a:r>
+              <a:rPr lang="en-US" sz="1800" dirty="0" smtClean="0">
+                <a:solidFill>
+                  <a:schemeClr val="tx2">
+                    <a:lumMod val="60000"/>
+                    <a:lumOff val="40000"/>
+                  </a:schemeClr>
+                </a:solidFill>
+              </a:rPr>
+              <a:t>)</a:t>
+            </a:r>
+            <a:endParaRPr lang="en-US" sz="1800" dirty="0" smtClean="0">
+              <a:solidFill>
+                <a:schemeClr val="tx2">
+                  <a:lumMod val="60000"/>
+                  <a:lumOff val="40000"/>
+                </a:schemeClr>
+              </a:solidFill>
+            </a:endParaRPr>
+          </a:p>
+          <a:p>
+            <a:endParaRPr lang="en-US" sz="2000" dirty="0" smtClean="0"/>
+          </a:p>
+          <a:p>
+            <a:pPr>
+              <a:buNone/>
+            </a:pPr>
+            <a:r>
+              <a:rPr lang="en-US" sz="2000" dirty="0" smtClean="0"/>
+              <a:t>      Detects </a:t>
+            </a:r>
+            <a:r>
+              <a:rPr lang="en-US" sz="2000" dirty="0" smtClean="0"/>
+              <a:t>objects of different sizes in the input image. The detected objects are returned as a list of rectangles.</a:t>
+            </a:r>
+          </a:p>
+          <a:p>
+            <a:pPr>
+              <a:buNone/>
+            </a:pPr>
+            <a:r>
+              <a:rPr lang="en-US" sz="1800" b="1" dirty="0" smtClean="0">
+                <a:solidFill>
+                  <a:schemeClr val="tx2">
+                    <a:lumMod val="60000"/>
+                    <a:lumOff val="40000"/>
+                  </a:schemeClr>
+                </a:solidFill>
+              </a:rPr>
+              <a:t>       </a:t>
+            </a:r>
+            <a:r>
+              <a:rPr lang="en-US" sz="1800" b="1" dirty="0" smtClean="0"/>
+              <a:t>C</a:t>
+            </a:r>
+            <a:r>
+              <a:rPr lang="en-US" sz="1800" b="1" dirty="0" smtClean="0"/>
+              <a:t>++:</a:t>
+            </a:r>
+            <a:r>
+              <a:rPr lang="en-US" sz="1800" dirty="0" smtClean="0"/>
+              <a:t> </a:t>
+            </a:r>
+            <a:r>
+              <a:rPr lang="en-US" sz="1800" dirty="0" smtClean="0">
+                <a:solidFill>
+                  <a:schemeClr val="tx2">
+                    <a:lumMod val="60000"/>
+                    <a:lumOff val="40000"/>
+                  </a:schemeClr>
+                </a:solidFill>
+              </a:rPr>
+              <a:t>void </a:t>
+            </a:r>
+            <a:r>
+              <a:rPr lang="en-US" sz="1800" dirty="0" err="1" smtClean="0">
+                <a:solidFill>
+                  <a:schemeClr val="tx2">
+                    <a:lumMod val="60000"/>
+                    <a:lumOff val="40000"/>
+                  </a:schemeClr>
+                </a:solidFill>
+              </a:rPr>
+              <a:t>CascadeClassifier</a:t>
+            </a:r>
+            <a:r>
+              <a:rPr lang="en-US" sz="1800" dirty="0" smtClean="0">
+                <a:solidFill>
+                  <a:schemeClr val="tx2">
+                    <a:lumMod val="60000"/>
+                    <a:lumOff val="40000"/>
+                  </a:schemeClr>
+                </a:solidFill>
+              </a:rPr>
+              <a:t>::</a:t>
+            </a:r>
+            <a:r>
+              <a:rPr lang="en-US" sz="1800" dirty="0" err="1" smtClean="0">
+                <a:solidFill>
+                  <a:schemeClr val="tx2">
+                    <a:lumMod val="60000"/>
+                    <a:lumOff val="40000"/>
+                  </a:schemeClr>
+                </a:solidFill>
+              </a:rPr>
+              <a:t>detectMultiScale</a:t>
+            </a:r>
+            <a:r>
+              <a:rPr lang="en-US" sz="1800" dirty="0" smtClean="0">
+                <a:solidFill>
+                  <a:schemeClr val="tx2">
+                    <a:lumMod val="60000"/>
+                    <a:lumOff val="40000"/>
+                  </a:schemeClr>
+                </a:solidFill>
+              </a:rPr>
+              <a:t>(const Mat&amp; </a:t>
+            </a:r>
+            <a:r>
+              <a:rPr lang="en-US" sz="1800" b="1" dirty="0" smtClean="0">
+                <a:solidFill>
+                  <a:schemeClr val="tx2">
+                    <a:lumMod val="60000"/>
+                    <a:lumOff val="40000"/>
+                  </a:schemeClr>
+                </a:solidFill>
+              </a:rPr>
+              <a:t>image</a:t>
+            </a:r>
+            <a:r>
+              <a:rPr lang="en-US" sz="1800" dirty="0" smtClean="0">
+                <a:solidFill>
+                  <a:schemeClr val="tx2">
+                    <a:lumMod val="60000"/>
+                    <a:lumOff val="40000"/>
+                  </a:schemeClr>
+                </a:solidFill>
+              </a:rPr>
+              <a:t>, vector&lt;</a:t>
+            </a:r>
+            <a:r>
+              <a:rPr lang="en-US" sz="1800" dirty="0" err="1" smtClean="0">
+                <a:solidFill>
+                  <a:schemeClr val="tx2">
+                    <a:lumMod val="60000"/>
+                    <a:lumOff val="40000"/>
+                  </a:schemeClr>
+                </a:solidFill>
+              </a:rPr>
+              <a:t>Rect</a:t>
+            </a:r>
+            <a:r>
+              <a:rPr lang="en-US" sz="1800" dirty="0" smtClean="0">
+                <a:solidFill>
+                  <a:schemeClr val="tx2">
+                    <a:lumMod val="60000"/>
+                    <a:lumOff val="40000"/>
+                  </a:schemeClr>
+                </a:solidFill>
+              </a:rPr>
+              <a:t>&gt;&amp; </a:t>
+            </a:r>
+            <a:r>
+              <a:rPr lang="en-US" sz="1800" b="1" dirty="0" smtClean="0">
+                <a:solidFill>
+                  <a:schemeClr val="tx2">
+                    <a:lumMod val="60000"/>
+                    <a:lumOff val="40000"/>
+                  </a:schemeClr>
+                </a:solidFill>
+              </a:rPr>
+              <a:t>objects</a:t>
+            </a:r>
+            <a:r>
+              <a:rPr lang="en-US" sz="1800" dirty="0" smtClean="0">
+                <a:solidFill>
+                  <a:schemeClr val="tx2">
+                    <a:lumMod val="60000"/>
+                    <a:lumOff val="40000"/>
+                  </a:schemeClr>
+                </a:solidFill>
+              </a:rPr>
+              <a:t>, double </a:t>
+            </a:r>
+            <a:r>
+              <a:rPr lang="en-US" sz="1800" b="1" dirty="0" err="1" smtClean="0">
+                <a:solidFill>
+                  <a:schemeClr val="tx2">
+                    <a:lumMod val="60000"/>
+                    <a:lumOff val="40000"/>
+                  </a:schemeClr>
+                </a:solidFill>
+              </a:rPr>
+              <a:t>scaleFactor</a:t>
+            </a:r>
+            <a:r>
+              <a:rPr lang="en-US" sz="1800" dirty="0" smtClean="0">
+                <a:solidFill>
+                  <a:schemeClr val="tx2">
+                    <a:lumMod val="60000"/>
+                    <a:lumOff val="40000"/>
+                  </a:schemeClr>
+                </a:solidFill>
+              </a:rPr>
+              <a:t>=1.1, </a:t>
+            </a:r>
+            <a:r>
+              <a:rPr lang="en-US" sz="1800" dirty="0" err="1" smtClean="0">
+                <a:solidFill>
+                  <a:schemeClr val="tx2">
+                    <a:lumMod val="60000"/>
+                    <a:lumOff val="40000"/>
+                  </a:schemeClr>
+                </a:solidFill>
+              </a:rPr>
+              <a:t>int</a:t>
+            </a:r>
+            <a:r>
+              <a:rPr lang="en-US" sz="1800" dirty="0" smtClean="0">
+                <a:solidFill>
+                  <a:schemeClr val="tx2">
+                    <a:lumMod val="60000"/>
+                    <a:lumOff val="40000"/>
+                  </a:schemeClr>
+                </a:solidFill>
+              </a:rPr>
+              <a:t> </a:t>
+            </a:r>
+            <a:r>
+              <a:rPr lang="en-US" sz="1800" b="1" dirty="0" err="1" smtClean="0">
+                <a:solidFill>
+                  <a:schemeClr val="tx2">
+                    <a:lumMod val="60000"/>
+                    <a:lumOff val="40000"/>
+                  </a:schemeClr>
+                </a:solidFill>
+              </a:rPr>
+              <a:t>minNeighbors</a:t>
+            </a:r>
+            <a:r>
+              <a:rPr lang="en-US" sz="1800" dirty="0" smtClean="0">
+                <a:solidFill>
+                  <a:schemeClr val="tx2">
+                    <a:lumMod val="60000"/>
+                    <a:lumOff val="40000"/>
+                  </a:schemeClr>
+                </a:solidFill>
+              </a:rPr>
+              <a:t>=3, </a:t>
+            </a:r>
+            <a:r>
+              <a:rPr lang="en-US" sz="1800" dirty="0" err="1" smtClean="0">
+                <a:solidFill>
+                  <a:schemeClr val="tx2">
+                    <a:lumMod val="60000"/>
+                    <a:lumOff val="40000"/>
+                  </a:schemeClr>
+                </a:solidFill>
+              </a:rPr>
+              <a:t>int</a:t>
+            </a:r>
+            <a:r>
+              <a:rPr lang="en-US" sz="1800" dirty="0" smtClean="0">
+                <a:solidFill>
+                  <a:schemeClr val="tx2">
+                    <a:lumMod val="60000"/>
+                    <a:lumOff val="40000"/>
+                  </a:schemeClr>
+                </a:solidFill>
+              </a:rPr>
+              <a:t> </a:t>
+            </a:r>
+            <a:r>
+              <a:rPr lang="en-US" sz="1800" b="1" dirty="0" smtClean="0">
+                <a:solidFill>
+                  <a:schemeClr val="tx2">
+                    <a:lumMod val="60000"/>
+                    <a:lumOff val="40000"/>
+                  </a:schemeClr>
+                </a:solidFill>
+              </a:rPr>
+              <a:t>flags</a:t>
+            </a:r>
+            <a:r>
+              <a:rPr lang="en-US" sz="1800" dirty="0" smtClean="0">
+                <a:solidFill>
+                  <a:schemeClr val="tx2">
+                    <a:lumMod val="60000"/>
+                    <a:lumOff val="40000"/>
+                  </a:schemeClr>
+                </a:solidFill>
+              </a:rPr>
+              <a:t>=0, Size </a:t>
+            </a:r>
+            <a:r>
+              <a:rPr lang="en-US" sz="1800" b="1" dirty="0" err="1" smtClean="0">
+                <a:solidFill>
+                  <a:schemeClr val="tx2">
+                    <a:lumMod val="60000"/>
+                    <a:lumOff val="40000"/>
+                  </a:schemeClr>
+                </a:solidFill>
+              </a:rPr>
+              <a:t>minSize</a:t>
+            </a:r>
+            <a:r>
+              <a:rPr lang="en-US" sz="1800" dirty="0" smtClean="0">
+                <a:solidFill>
+                  <a:schemeClr val="tx2">
+                    <a:lumMod val="60000"/>
+                    <a:lumOff val="40000"/>
+                  </a:schemeClr>
+                </a:solidFill>
+              </a:rPr>
+              <a:t>=Size(), Size </a:t>
+            </a:r>
+            <a:r>
+              <a:rPr lang="en-US" sz="1800" b="1" dirty="0" err="1" smtClean="0">
+                <a:solidFill>
+                  <a:schemeClr val="tx2">
+                    <a:lumMod val="60000"/>
+                    <a:lumOff val="40000"/>
+                  </a:schemeClr>
+                </a:solidFill>
+              </a:rPr>
+              <a:t>maxSize</a:t>
+            </a:r>
+            <a:r>
+              <a:rPr lang="en-US" sz="1800" dirty="0" smtClean="0">
+                <a:solidFill>
+                  <a:schemeClr val="tx2">
+                    <a:lumMod val="60000"/>
+                    <a:lumOff val="40000"/>
+                  </a:schemeClr>
+                </a:solidFill>
+              </a:rPr>
+              <a:t>=Size())</a:t>
+            </a:r>
+            <a:endParaRPr lang="en-US" sz="1800" dirty="0" smtClean="0">
+              <a:solidFill>
+                <a:schemeClr val="tx2">
+                  <a:lumMod val="60000"/>
+                  <a:lumOff val="40000"/>
+                </a:schemeClr>
+              </a:solidFill>
+            </a:endParaRPr>
+          </a:p>
+        </p:txBody>
+      </p:sp>
+      <p:sp>
+        <p:nvSpPr>
+          <p:cNvPr id="4" name="Rectangle 3"/>
+          <p:cNvSpPr/>
+          <p:nvPr/>
+        </p:nvSpPr>
+        <p:spPr>
+          <a:xfrm>
+            <a:off x="838200" y="4419600"/>
+            <a:ext cx="7696200" cy="1600200"/>
+          </a:xfrm>
+          <a:prstGeom prst="rect">
+            <a:avLst/>
+          </a:prstGeom>
+          <a:noFill/>
+        </p:spPr>
+        <p:style>
+          <a:lnRef idx="2">
+            <a:schemeClr val="accent1">
+              <a:shade val="50000"/>
+            </a:schemeClr>
+          </a:lnRef>
+          <a:fillRef idx="1">
+            <a:schemeClr val="accent1"/>
+          </a:fillRef>
+          <a:effectRef idx="0">
+            <a:schemeClr val="accent1"/>
+          </a:effectRef>
+          <a:fontRef idx="minor">
+            <a:schemeClr val="lt1"/>
+          </a:fontRef>
+        </p:style>
+        <p:txBody>
+          <a:bodyPr rtlCol="0" anchor="ctr"/>
+          <a:lstStyle/>
+          <a:p>
+            <a:pPr algn="ctr"/>
+            <a:endParaRPr lang="en-US"/>
+          </a:p>
+        </p:txBody>
+      </p:sp>
+      <p:sp>
+        <p:nvSpPr>
+          <p:cNvPr id="5" name="Rectangle 4"/>
+          <p:cNvSpPr/>
+          <p:nvPr/>
+        </p:nvSpPr>
+        <p:spPr>
+          <a:xfrm>
+            <a:off x="838200" y="3429000"/>
+            <a:ext cx="6019800" cy="838200"/>
+          </a:xfrm>
+          <a:prstGeom prst="rect">
+            <a:avLst/>
+          </a:prstGeom>
+          <a:noFill/>
+        </p:spPr>
+        <p:style>
+          <a:lnRef idx="2">
+            <a:schemeClr val="accent1">
+              <a:shade val="50000"/>
+            </a:schemeClr>
+          </a:lnRef>
+          <a:fillRef idx="1">
+            <a:schemeClr val="accent1"/>
+          </a:fillRef>
+          <a:effectRef idx="0">
+            <a:schemeClr val="accent1"/>
+          </a:effectRef>
+          <a:fontRef idx="minor">
+            <a:schemeClr val="lt1"/>
+          </a:fontRef>
+        </p:style>
+        <p:txBody>
+          <a:bodyPr rtlCol="0" anchor="ctr"/>
+          <a:lstStyle/>
+          <a:p>
+            <a:pPr algn="ctr"/>
+            <a:endParaRPr lang="en-US"/>
+          </a:p>
+        </p:txBody>
+      </p:sp>
+    </p:spTree>
+  </p:cSld>
+  <p:clrMapOvr>
+    <a:masterClrMapping/>
+  </p:clrMapOvr>
+  <p:timing>
+    <p:tnLst>
+      <p:par>
+        <p:cTn id="1" dur="indefinite" restart="never" nodeType="tmRoot"/>
+      </p:par>
+    </p:tnLst>
+  </p:timing>
+</p:sld>
+</file>
+
+<file path=ppt/slides/slide15.xml><?xml version="1.0" encoding="utf-8"?>
+<p:sld xmlns:a="http://schemas.openxmlformats.org/drawingml/2006/main" xmlns:r="http://schemas.openxmlformats.org/officeDocument/2006/relationships" xmlns:p="http://schemas.openxmlformats.org/presentationml/2006/main">
+  <p:cSld>
+    <p:spTree>
+      <p:nvGrpSpPr>
+        <p:cNvPr id="1" name=""/>
+        <p:cNvGrpSpPr/>
+        <p:nvPr/>
+      </p:nvGrpSpPr>
+      <p:grpSpPr>
+        <a:xfrm>
+          <a:off x="0" y="0"/>
+          <a:ext cx="0" cy="0"/>
+          <a:chOff x="0" y="0"/>
+          <a:chExt cx="0" cy="0"/>
+        </a:xfrm>
+      </p:grpSpPr>
+      <p:sp>
+        <p:nvSpPr>
+          <p:cNvPr id="2" name="Title 1"/>
+          <p:cNvSpPr>
+            <a:spLocks noGrp="1"/>
+          </p:cNvSpPr>
+          <p:nvPr>
+            <p:ph type="title"/>
+          </p:nvPr>
+        </p:nvSpPr>
+        <p:spPr/>
+        <p:txBody>
+          <a:bodyPr>
+            <a:normAutofit/>
+          </a:bodyPr>
+          <a:lstStyle/>
+          <a:p>
+            <a:r>
+              <a:rPr lang="en-US" sz="3200" dirty="0" smtClean="0"/>
+              <a:t>Other Ways of Detection</a:t>
+            </a:r>
+            <a:endParaRPr lang="en-US" sz="3200" dirty="0"/>
+          </a:p>
+        </p:txBody>
+      </p:sp>
+      <p:sp>
+        <p:nvSpPr>
+          <p:cNvPr id="3" name="Content Placeholder 2"/>
+          <p:cNvSpPr>
+            <a:spLocks noGrp="1"/>
+          </p:cNvSpPr>
+          <p:nvPr>
+            <p:ph idx="1"/>
+          </p:nvPr>
+        </p:nvSpPr>
+        <p:spPr/>
+        <p:txBody>
+          <a:bodyPr>
+            <a:normAutofit/>
+          </a:bodyPr>
+          <a:lstStyle/>
+          <a:p>
+            <a:r>
+              <a:rPr lang="en-US" sz="2000" dirty="0" smtClean="0"/>
+              <a:t>With the </a:t>
+            </a:r>
+            <a:r>
+              <a:rPr lang="en-US" sz="1800" dirty="0" err="1" smtClean="0">
+                <a:solidFill>
+                  <a:schemeClr val="tx2">
+                    <a:lumMod val="60000"/>
+                    <a:lumOff val="40000"/>
+                  </a:schemeClr>
+                </a:solidFill>
+              </a:rPr>
+              <a:t>findContours</a:t>
+            </a:r>
+            <a:r>
+              <a:rPr lang="en-US" sz="2000" dirty="0" smtClean="0"/>
+              <a:t> function, we can find all closed contours in the binary, </a:t>
+            </a:r>
+            <a:r>
+              <a:rPr lang="en-US" sz="2000" dirty="0" smtClean="0"/>
+              <a:t>including the ones formed by holes in the components</a:t>
+            </a:r>
+            <a:r>
+              <a:rPr lang="en-US" sz="2000" dirty="0" smtClean="0"/>
+              <a:t>.</a:t>
+            </a:r>
+          </a:p>
+          <a:p>
+            <a:endParaRPr lang="en-US" sz="2000" dirty="0" smtClean="0"/>
+          </a:p>
+          <a:p>
+            <a:pPr>
+              <a:buNone/>
+            </a:pPr>
+            <a:r>
+              <a:rPr lang="en-US" sz="2000" dirty="0" smtClean="0"/>
+              <a:t>      C++: </a:t>
+            </a:r>
+            <a:r>
+              <a:rPr lang="en-US" sz="2000" dirty="0" err="1" smtClean="0">
+                <a:solidFill>
+                  <a:schemeClr val="tx2">
+                    <a:lumMod val="60000"/>
+                    <a:lumOff val="40000"/>
+                  </a:schemeClr>
+                </a:solidFill>
+              </a:rPr>
+              <a:t>cv</a:t>
+            </a:r>
+            <a:r>
+              <a:rPr lang="en-US" sz="2000" dirty="0" smtClean="0">
+                <a:solidFill>
+                  <a:schemeClr val="tx2">
+                    <a:lumMod val="60000"/>
+                    <a:lumOff val="40000"/>
+                  </a:schemeClr>
+                </a:solidFill>
+              </a:rPr>
+              <a:t>::</a:t>
+            </a:r>
+            <a:r>
+              <a:rPr lang="en-US" sz="2000" dirty="0" err="1" smtClean="0">
+                <a:solidFill>
+                  <a:schemeClr val="tx2">
+                    <a:lumMod val="60000"/>
+                    <a:lumOff val="40000"/>
+                  </a:schemeClr>
+                </a:solidFill>
+              </a:rPr>
+              <a:t>findContours</a:t>
+            </a:r>
+            <a:r>
+              <a:rPr lang="en-US" sz="2000" dirty="0" smtClean="0">
+                <a:solidFill>
+                  <a:schemeClr val="tx2">
+                    <a:lumMod val="60000"/>
+                    <a:lumOff val="40000"/>
+                  </a:schemeClr>
+                </a:solidFill>
+              </a:rPr>
+              <a:t>(image,</a:t>
+            </a:r>
+            <a:br>
+              <a:rPr lang="en-US" sz="2000" dirty="0" smtClean="0">
+                <a:solidFill>
+                  <a:schemeClr val="tx2">
+                    <a:lumMod val="60000"/>
+                    <a:lumOff val="40000"/>
+                  </a:schemeClr>
+                </a:solidFill>
+              </a:rPr>
+            </a:br>
+            <a:r>
+              <a:rPr lang="en-US" sz="2000" dirty="0" smtClean="0">
+                <a:solidFill>
+                  <a:schemeClr val="tx2">
+                    <a:lumMod val="60000"/>
+                    <a:lumOff val="40000"/>
+                  </a:schemeClr>
+                </a:solidFill>
+              </a:rPr>
+              <a:t>contours, // a vector of contours</a:t>
+            </a:r>
+            <a:br>
+              <a:rPr lang="en-US" sz="2000" dirty="0" smtClean="0">
+                <a:solidFill>
+                  <a:schemeClr val="tx2">
+                    <a:lumMod val="60000"/>
+                    <a:lumOff val="40000"/>
+                  </a:schemeClr>
+                </a:solidFill>
+              </a:rPr>
+            </a:br>
+            <a:r>
+              <a:rPr lang="en-US" sz="2000" dirty="0" smtClean="0">
+                <a:solidFill>
+                  <a:schemeClr val="tx2">
+                    <a:lumMod val="60000"/>
+                    <a:lumOff val="40000"/>
+                  </a:schemeClr>
+                </a:solidFill>
+              </a:rPr>
+              <a:t>CV_RETR_LIST, // retrieve all contours</a:t>
+            </a:r>
+            <a:br>
+              <a:rPr lang="en-US" sz="2000" dirty="0" smtClean="0">
+                <a:solidFill>
+                  <a:schemeClr val="tx2">
+                    <a:lumMod val="60000"/>
+                    <a:lumOff val="40000"/>
+                  </a:schemeClr>
+                </a:solidFill>
+              </a:rPr>
+            </a:br>
+            <a:r>
+              <a:rPr lang="en-US" sz="2000" dirty="0" smtClean="0">
+                <a:solidFill>
+                  <a:schemeClr val="tx2">
+                    <a:lumMod val="60000"/>
+                    <a:lumOff val="40000"/>
+                  </a:schemeClr>
+                </a:solidFill>
+              </a:rPr>
+              <a:t>CV_CHAIN_APPROX_NONE); // all pixels of each contours</a:t>
+            </a:r>
+            <a:r>
+              <a:rPr lang="en-US" sz="2000" dirty="0" smtClean="0"/>
+              <a:t/>
+            </a:r>
+            <a:br>
+              <a:rPr lang="en-US" sz="2000" dirty="0" smtClean="0"/>
+            </a:br>
+            <a:endParaRPr lang="en-US" sz="2000" dirty="0" smtClean="0"/>
+          </a:p>
+          <a:p>
+            <a:pPr>
+              <a:buNone/>
+            </a:pPr>
+            <a:endParaRPr lang="en-US" sz="2000" dirty="0" smtClean="0"/>
+          </a:p>
+        </p:txBody>
+      </p:sp>
+      <p:sp>
+        <p:nvSpPr>
+          <p:cNvPr id="4" name="Rectangle 3"/>
+          <p:cNvSpPr/>
+          <p:nvPr/>
+        </p:nvSpPr>
+        <p:spPr>
+          <a:xfrm>
+            <a:off x="762000" y="2590800"/>
+            <a:ext cx="6400800" cy="1447800"/>
+          </a:xfrm>
+          <a:prstGeom prst="rect">
+            <a:avLst/>
+          </a:prstGeom>
+          <a:noFill/>
+        </p:spPr>
+        <p:style>
+          <a:lnRef idx="2">
+            <a:schemeClr val="accent1">
+              <a:shade val="50000"/>
+            </a:schemeClr>
+          </a:lnRef>
+          <a:fillRef idx="1">
+            <a:schemeClr val="accent1"/>
+          </a:fillRef>
+          <a:effectRef idx="0">
+            <a:schemeClr val="accent1"/>
+          </a:effectRef>
+          <a:fontRef idx="minor">
+            <a:schemeClr val="lt1"/>
+          </a:fontRef>
+        </p:style>
+        <p:txBody>
+          <a:bodyPr rtlCol="0" anchor="ctr"/>
+          <a:lstStyle/>
+          <a:p>
+            <a:pPr algn="ctr"/>
+            <a:endParaRPr lang="en-US"/>
+          </a:p>
+        </p:txBody>
+      </p:sp>
+    </p:spTree>
+  </p:cSld>
+  <p:clrMapOvr>
+    <a:masterClrMapping/>
+  </p:clrMapOvr>
+  <p:timing>
+    <p:tnLst>
+      <p:par>
+        <p:cTn id="1" dur="indefinite" restart="never" nodeType="tmRoot"/>
+      </p:par>
+    </p:tnLst>
+  </p:timing>
+</p:sld>
+</file>
+
+<file path=ppt/slides/slide16.xml><?xml version="1.0" encoding="utf-8"?>
+<p:sld xmlns:a="http://schemas.openxmlformats.org/drawingml/2006/main" xmlns:r="http://schemas.openxmlformats.org/officeDocument/2006/relationships" xmlns:p="http://schemas.openxmlformats.org/presentationml/2006/main">
+  <p:cSld>
+    <p:spTree>
+      <p:nvGrpSpPr>
+        <p:cNvPr id="1" name=""/>
+        <p:cNvGrpSpPr/>
+        <p:nvPr/>
+      </p:nvGrpSpPr>
+      <p:grpSpPr>
+        <a:xfrm>
+          <a:off x="0" y="0"/>
+          <a:ext cx="0" cy="0"/>
+          <a:chOff x="0" y="0"/>
+          <a:chExt cx="0" cy="0"/>
+        </a:xfrm>
+      </p:grpSpPr>
+      <p:sp>
+        <p:nvSpPr>
+          <p:cNvPr id="2" name="Title 1"/>
+          <p:cNvSpPr>
+            <a:spLocks noGrp="1"/>
+          </p:cNvSpPr>
+          <p:nvPr>
+            <p:ph type="title"/>
+          </p:nvPr>
+        </p:nvSpPr>
+        <p:spPr/>
+        <p:txBody>
+          <a:bodyPr>
+            <a:normAutofit/>
+          </a:bodyPr>
+          <a:lstStyle/>
+          <a:p>
+            <a:r>
+              <a:rPr lang="en-US" sz="3200" dirty="0" smtClean="0"/>
+              <a:t>Other Ways of Detection</a:t>
+            </a:r>
+            <a:endParaRPr lang="en-US" sz="3200" dirty="0"/>
+          </a:p>
+        </p:txBody>
+      </p:sp>
+      <p:sp>
+        <p:nvSpPr>
+          <p:cNvPr id="3" name="Content Placeholder 2"/>
+          <p:cNvSpPr>
+            <a:spLocks noGrp="1"/>
+          </p:cNvSpPr>
+          <p:nvPr>
+            <p:ph idx="1"/>
+          </p:nvPr>
+        </p:nvSpPr>
+        <p:spPr/>
+        <p:txBody>
+          <a:bodyPr>
+            <a:normAutofit/>
+          </a:bodyPr>
+          <a:lstStyle/>
+          <a:p>
+            <a:r>
+              <a:rPr lang="en-US" sz="2000" dirty="0" smtClean="0"/>
+              <a:t>By finding contours, we can find certain kinds of objects in an image region.</a:t>
+            </a:r>
+            <a:endParaRPr lang="en-US" sz="2000" dirty="0"/>
+          </a:p>
+        </p:txBody>
+      </p:sp>
+      <p:pic>
+        <p:nvPicPr>
+          <p:cNvPr id="4" name="Picture 2"/>
+          <p:cNvPicPr>
+            <a:picLocks noChangeAspect="1" noChangeArrowheads="1"/>
+          </p:cNvPicPr>
+          <p:nvPr/>
+        </p:nvPicPr>
+        <p:blipFill>
+          <a:blip r:embed="rId2"/>
+          <a:srcRect/>
+          <a:stretch>
+            <a:fillRect/>
+          </a:stretch>
+        </p:blipFill>
+        <p:spPr bwMode="auto">
+          <a:xfrm>
+            <a:off x="1828800" y="2514600"/>
+            <a:ext cx="4486275" cy="3305175"/>
+          </a:xfrm>
+          <a:prstGeom prst="rect">
+            <a:avLst/>
+          </a:prstGeom>
+          <a:noFill/>
+          <a:ln w="9525">
+            <a:noFill/>
+            <a:miter lim="800000"/>
+            <a:headEnd/>
+            <a:tailEnd/>
+          </a:ln>
+          <a:effectLst/>
+        </p:spPr>
+      </p:pic>
+    </p:spTree>
+  </p:cSld>
+  <p:clrMapOvr>
+    <a:masterClrMapping/>
+  </p:clrMapOvr>
+  <p:timing>
+    <p:tnLst>
+      <p:par>
+        <p:cTn id="1" dur="indefinite" restart="never" nodeType="tmRoot"/>
+      </p:par>
+    </p:tnLst>
+  </p:timing>
+</p:sld>
+</file>
+
+<file path=ppt/slides/slide17.xml><?xml version="1.0" encoding="utf-8"?>
+<p:sld xmlns:a="http://schemas.openxmlformats.org/drawingml/2006/main" xmlns:r="http://schemas.openxmlformats.org/officeDocument/2006/relationships" xmlns:p="http://schemas.openxmlformats.org/presentationml/2006/main">
+  <p:cSld>
+    <p:spTree>
+      <p:nvGrpSpPr>
+        <p:cNvPr id="1" name=""/>
+        <p:cNvGrpSpPr/>
+        <p:nvPr/>
+      </p:nvGrpSpPr>
+      <p:grpSpPr>
+        <a:xfrm>
+          <a:off x="0" y="0"/>
+          <a:ext cx="0" cy="0"/>
+          <a:chOff x="0" y="0"/>
+          <a:chExt cx="0" cy="0"/>
+        </a:xfrm>
+      </p:grpSpPr>
+      <p:sp>
+        <p:nvSpPr>
+          <p:cNvPr id="2" name="Title 1"/>
+          <p:cNvSpPr>
+            <a:spLocks noGrp="1"/>
+          </p:cNvSpPr>
+          <p:nvPr>
+            <p:ph type="title"/>
+          </p:nvPr>
+        </p:nvSpPr>
+        <p:spPr/>
+        <p:txBody>
+          <a:bodyPr>
+            <a:normAutofit/>
+          </a:bodyPr>
+          <a:lstStyle/>
+          <a:p>
+            <a:r>
+              <a:rPr lang="en-US" sz="3200" dirty="0" smtClean="0"/>
+              <a:t>What Do We Need? (Conclusion)</a:t>
+            </a:r>
+            <a:endParaRPr lang="en-US" sz="3200" dirty="0"/>
+          </a:p>
+        </p:txBody>
+      </p:sp>
+      <p:sp>
+        <p:nvSpPr>
+          <p:cNvPr id="3" name="Content Placeholder 2"/>
+          <p:cNvSpPr>
+            <a:spLocks noGrp="1"/>
+          </p:cNvSpPr>
+          <p:nvPr>
+            <p:ph idx="1"/>
+          </p:nvPr>
+        </p:nvSpPr>
+        <p:spPr/>
+        <p:txBody>
+          <a:bodyPr>
+            <a:normAutofit/>
+          </a:bodyPr>
+          <a:lstStyle/>
+          <a:p>
+            <a:r>
+              <a:rPr lang="en-US" sz="2000" dirty="0" smtClean="0"/>
+              <a:t>For most general problems and applications, </a:t>
+            </a:r>
+            <a:r>
+              <a:rPr lang="en-US" sz="2000" dirty="0" err="1" smtClean="0"/>
+              <a:t>OpenCV</a:t>
+            </a:r>
+            <a:r>
+              <a:rPr lang="en-US" sz="2000" dirty="0" smtClean="0"/>
+              <a:t> includes enough implemented algorithms (and API) for image processing and computer vision.</a:t>
+            </a:r>
+          </a:p>
+          <a:p>
+            <a:r>
+              <a:rPr lang="en-US" sz="2000" dirty="0" smtClean="0"/>
+              <a:t>We only need to be able to use those </a:t>
+            </a:r>
+            <a:r>
+              <a:rPr lang="en-US" sz="2000" dirty="0" err="1" smtClean="0"/>
+              <a:t>OpenCV</a:t>
+            </a:r>
+            <a:r>
+              <a:rPr lang="en-US" sz="2000" dirty="0" smtClean="0"/>
+              <a:t> API.</a:t>
+            </a:r>
+          </a:p>
+          <a:p>
+            <a:r>
+              <a:rPr lang="en-US" sz="2000" dirty="0" smtClean="0"/>
+              <a:t>If we are going to more advanced computer vision and machine learning operations, we need a lot of knowledge of theories on </a:t>
+            </a:r>
+            <a:r>
+              <a:rPr lang="en-US" sz="2000" dirty="0" smtClean="0">
+                <a:solidFill>
+                  <a:schemeClr val="accent1">
+                    <a:lumMod val="75000"/>
+                  </a:schemeClr>
+                </a:solidFill>
+              </a:rPr>
+              <a:t>AI</a:t>
+            </a:r>
+            <a:r>
+              <a:rPr lang="en-US" sz="2000" dirty="0" smtClean="0"/>
+              <a:t>, </a:t>
+            </a:r>
+            <a:r>
+              <a:rPr lang="en-US" sz="2000" dirty="0" smtClean="0">
+                <a:solidFill>
+                  <a:schemeClr val="accent1">
+                    <a:lumMod val="75000"/>
+                  </a:schemeClr>
+                </a:solidFill>
+              </a:rPr>
+              <a:t>computer vision </a:t>
+            </a:r>
+            <a:r>
+              <a:rPr lang="en-US" sz="2000" dirty="0" smtClean="0"/>
+              <a:t>and certain mathematical knowledge (such </a:t>
+            </a:r>
+            <a:r>
+              <a:rPr lang="en-US" sz="2000" dirty="0" smtClean="0">
+                <a:solidFill>
+                  <a:schemeClr val="accent1">
+                    <a:lumMod val="75000"/>
+                  </a:schemeClr>
+                </a:solidFill>
+              </a:rPr>
+              <a:t>as Linear Algebra </a:t>
+            </a:r>
+            <a:r>
+              <a:rPr lang="en-US" sz="2000" dirty="0" smtClean="0"/>
+              <a:t>and </a:t>
+            </a:r>
+            <a:r>
+              <a:rPr lang="en-US" sz="2000" dirty="0" smtClean="0">
+                <a:solidFill>
+                  <a:schemeClr val="accent1">
+                    <a:lumMod val="75000"/>
+                  </a:schemeClr>
+                </a:solidFill>
+              </a:rPr>
+              <a:t>Analytics Geometry</a:t>
+            </a:r>
+            <a:r>
+              <a:rPr lang="en-US" sz="2000" dirty="0" smtClean="0"/>
+              <a:t>) as well as </a:t>
+            </a:r>
+            <a:r>
+              <a:rPr lang="en-US" sz="2000" dirty="0" smtClean="0">
+                <a:solidFill>
+                  <a:schemeClr val="accent1">
+                    <a:lumMod val="75000"/>
+                  </a:schemeClr>
+                </a:solidFill>
+              </a:rPr>
+              <a:t>C++ language competence </a:t>
+            </a:r>
+            <a:r>
+              <a:rPr lang="en-US" sz="2000" dirty="0" smtClean="0"/>
+              <a:t>and</a:t>
+            </a:r>
+            <a:r>
+              <a:rPr lang="en-US" sz="2000" dirty="0" smtClean="0">
+                <a:solidFill>
+                  <a:schemeClr val="accent1">
+                    <a:lumMod val="75000"/>
+                  </a:schemeClr>
+                </a:solidFill>
+              </a:rPr>
+              <a:t> </a:t>
+            </a:r>
+            <a:r>
+              <a:rPr lang="en-US" sz="2000" dirty="0" err="1" smtClean="0">
+                <a:solidFill>
+                  <a:schemeClr val="accent1">
+                    <a:lumMod val="75000"/>
+                  </a:schemeClr>
+                </a:solidFill>
+              </a:rPr>
+              <a:t>OpenCV</a:t>
+            </a:r>
+            <a:r>
+              <a:rPr lang="en-US" sz="2000" dirty="0" smtClean="0">
+                <a:solidFill>
+                  <a:schemeClr val="accent1">
+                    <a:lumMod val="75000"/>
+                  </a:schemeClr>
+                </a:solidFill>
+              </a:rPr>
+              <a:t> Data Structures</a:t>
+            </a:r>
+            <a:r>
+              <a:rPr lang="en-US" sz="2000" dirty="0" smtClean="0"/>
+              <a:t>.</a:t>
+            </a:r>
+          </a:p>
+          <a:p>
+            <a:r>
+              <a:rPr lang="en-US" sz="2000" dirty="0" smtClean="0"/>
+              <a:t>In conclusion, by having the above knowledge, we can build certain kinds of computer vision software.</a:t>
+            </a:r>
+            <a:endParaRPr lang="en-US" sz="2000" dirty="0"/>
+          </a:p>
+        </p:txBody>
+      </p:sp>
+    </p:spTree>
+  </p:cSld>
+  <p:clrMapOvr>
+    <a:masterClrMapping/>
+  </p:clrMapOvr>
+  <p:timing>
+    <p:tnLst>
+      <p:par>
+        <p:cTn id="1" dur="indefinite" restart="never" nodeType="tmRoot"/>
+      </p:par>
+    </p:tnLst>
+  </p:timing>
+</p:sld>
+</file>
+
+<file path=ppt/slides/slide18.xml><?xml version="1.0" encoding="utf-8"?>
+<p:sld xmlns:a="http://schemas.openxmlformats.org/drawingml/2006/main" xmlns:r="http://schemas.openxmlformats.org/officeDocument/2006/relationships" xmlns:p="http://schemas.openxmlformats.org/presentationml/2006/main">
+  <p:cSld>
+    <p:spTree>
+      <p:nvGrpSpPr>
+        <p:cNvPr id="1" name=""/>
+        <p:cNvGrpSpPr/>
+        <p:nvPr/>
+      </p:nvGrpSpPr>
+      <p:grpSpPr>
+        <a:xfrm>
+          <a:off x="0" y="0"/>
+          <a:ext cx="0" cy="0"/>
+          <a:chOff x="0" y="0"/>
+          <a:chExt cx="0" cy="0"/>
+        </a:xfrm>
+      </p:grpSpPr>
+      <p:sp>
+        <p:nvSpPr>
+          <p:cNvPr id="2" name="Title 1"/>
+          <p:cNvSpPr>
+            <a:spLocks noGrp="1"/>
+          </p:cNvSpPr>
+          <p:nvPr>
+            <p:ph type="title"/>
+          </p:nvPr>
+        </p:nvSpPr>
+        <p:spPr/>
+        <p:txBody>
+          <a:bodyPr>
+            <a:normAutofit/>
+          </a:bodyPr>
+          <a:lstStyle/>
+          <a:p>
+            <a:r>
+              <a:rPr lang="en-US" sz="3200" dirty="0" smtClean="0"/>
+              <a:t>References and Sources</a:t>
+            </a:r>
+            <a:endParaRPr lang="en-US" sz="3200" dirty="0"/>
+          </a:p>
+        </p:txBody>
+      </p:sp>
+      <p:sp>
+        <p:nvSpPr>
+          <p:cNvPr id="3" name="Content Placeholder 2"/>
+          <p:cNvSpPr>
+            <a:spLocks noGrp="1"/>
+          </p:cNvSpPr>
+          <p:nvPr>
+            <p:ph idx="1"/>
+          </p:nvPr>
+        </p:nvSpPr>
+        <p:spPr/>
+        <p:txBody>
+          <a:bodyPr>
+            <a:normAutofit/>
+          </a:bodyPr>
+          <a:lstStyle/>
+          <a:p>
+            <a:r>
+              <a:rPr lang="en-US" sz="2000" dirty="0" smtClean="0">
+                <a:hlinkClick r:id="rId2"/>
+              </a:rPr>
+              <a:t>http://docs.opencv.org</a:t>
+            </a:r>
+            <a:endParaRPr lang="en-US" sz="2000" dirty="0" smtClean="0"/>
+          </a:p>
+          <a:p>
+            <a:r>
+              <a:rPr lang="en-US" sz="2000" dirty="0" smtClean="0">
+                <a:hlinkClick r:id="rId3"/>
+              </a:rPr>
+              <a:t>http://opencv-python-tutroals.readthedocs.io</a:t>
+            </a:r>
+            <a:endParaRPr lang="en-US" sz="2000" dirty="0" smtClean="0"/>
+          </a:p>
+          <a:p>
+            <a:r>
+              <a:rPr lang="en-US" sz="2000" dirty="0" smtClean="0">
+                <a:hlinkClick r:id="rId4"/>
+              </a:rPr>
+              <a:t>http://opencv-java-tutorials.readthedocs.io/</a:t>
+            </a:r>
+            <a:endParaRPr lang="en-US" sz="2000" dirty="0" smtClean="0"/>
+          </a:p>
+          <a:p>
+            <a:r>
+              <a:rPr lang="en-US" sz="2000" dirty="0" smtClean="0"/>
+              <a:t>Learning </a:t>
+            </a:r>
+            <a:r>
+              <a:rPr lang="en-US" sz="2000" dirty="0" err="1" smtClean="0"/>
+              <a:t>OpenCV</a:t>
+            </a:r>
+            <a:r>
+              <a:rPr lang="en-US" sz="2000" dirty="0" smtClean="0"/>
+              <a:t> by Adrian </a:t>
+            </a:r>
+            <a:r>
+              <a:rPr lang="en-US" sz="2000" dirty="0" err="1" smtClean="0"/>
+              <a:t>Kaehler</a:t>
+            </a:r>
+            <a:r>
+              <a:rPr lang="en-US" sz="2000" dirty="0" smtClean="0"/>
+              <a:t> and Gary </a:t>
+            </a:r>
+            <a:r>
+              <a:rPr lang="en-US" sz="2000" dirty="0" err="1" smtClean="0"/>
+              <a:t>Rost</a:t>
+            </a:r>
+            <a:r>
+              <a:rPr lang="en-US" sz="2000" dirty="0" smtClean="0"/>
+              <a:t> </a:t>
+            </a:r>
+            <a:r>
+              <a:rPr lang="en-US" sz="2000" dirty="0" err="1" smtClean="0"/>
+              <a:t>Bradski</a:t>
+            </a:r>
+            <a:endParaRPr lang="en-US" sz="2000" dirty="0" smtClean="0"/>
+          </a:p>
+          <a:p>
+            <a:r>
+              <a:rPr lang="en-US" sz="2000" dirty="0" smtClean="0"/>
+              <a:t>Computer Vision: Algorithms and Applications by Richard </a:t>
+            </a:r>
+            <a:r>
+              <a:rPr lang="en-US" sz="2000" dirty="0" err="1" smtClean="0"/>
+              <a:t>Szeliski</a:t>
+            </a:r>
+            <a:endParaRPr lang="en-US" sz="2000" dirty="0" smtClean="0"/>
+          </a:p>
+          <a:p>
+            <a:endParaRPr lang="en-US" sz="2000" dirty="0"/>
+          </a:p>
+        </p:txBody>
+      </p:sp>
+    </p:spTree>
+  </p:cSld>
+  <p:clrMapOvr>
+    <a:masterClrMapping/>
+  </p:clrMapOvr>
+  <p:timing>
+    <p:tnLst>
+      <p:par>
+        <p:cTn id="1" dur="indefinite" restart="never" nodeType="tmRoot"/>
+      </p:par>
+    </p:tnLst>
+  </p:timing>
 </p:sld>
 </file>
 
@@ -4240,12 +5865,12 @@
           </a:p>
           <a:p>
             <a:r>
-              <a:rPr lang="en-US" sz="2000" dirty="0" err="1" smtClean="0"/>
-              <a:t>Smooting</a:t>
-            </a:r>
-            <a:r>
-              <a:rPr lang="en-US" sz="2000" dirty="0" smtClean="0"/>
-              <a:t> images is also used for reducing noise.</a:t>
+              <a:rPr lang="en-US" sz="2000" dirty="0" smtClean="0"/>
+              <a:t>Smoothing </a:t>
+            </a:r>
+            <a:r>
+              <a:rPr lang="en-US" sz="2000" dirty="0" smtClean="0"/>
+              <a:t>images is also used for reducing noise.</a:t>
             </a:r>
           </a:p>
         </p:txBody>

--- a/KnowledgeOfImageProcessing.pptx
+++ b/KnowledgeOfImageProcessing.pptx
@@ -3093,22 +3093,14 @@
           <a:p>
             <a:r>
               <a:rPr lang="en-US" dirty="0" smtClean="0"/>
-              <a:t>Knowledge of Image </a:t>
-            </a:r>
-            <a:r>
-              <a:rPr lang="en-US" dirty="0" smtClean="0"/>
-              <a:t>Processing</a:t>
+              <a:t>Knowledge of Image Processing</a:t>
             </a:r>
             <a:br>
               <a:rPr lang="en-US" dirty="0" smtClean="0"/>
             </a:br>
             <a:r>
               <a:rPr lang="en-US" dirty="0" smtClean="0"/>
-              <a:t>and Computer Vision</a:t>
-            </a:r>
-            <a:r>
-              <a:rPr lang="en-US" dirty="0" smtClean="0"/>
-              <a:t>(</a:t>
+              <a:t>and Computer Vision(</a:t>
             </a:r>
             <a:r>
               <a:rPr lang="en-US" dirty="0" err="1" smtClean="0"/>
@@ -3416,11 +3408,7 @@
           <a:p>
             <a:r>
               <a:rPr lang="en-US" sz="2000" dirty="0" smtClean="0"/>
-              <a:t>Object detection usually consists of two steps: feature detection and classification</a:t>
-            </a:r>
-            <a:r>
-              <a:rPr lang="en-US" sz="2000" dirty="0" smtClean="0"/>
-              <a:t>.</a:t>
+              <a:t>Object detection usually consists of two steps: feature detection and classification.</a:t>
             </a:r>
           </a:p>
           <a:p>
@@ -3428,24 +3416,11 @@
               <a:rPr lang="en-US" sz="2000" dirty="0" smtClean="0"/>
               <a:t>In the feature detection step, the relevant features of the object to be detected are gathered. </a:t>
             </a:r>
-            <a:endParaRPr lang="en-US" sz="2000" dirty="0" smtClean="0"/>
-          </a:p>
-          <a:p>
-            <a:r>
-              <a:rPr lang="en-US" sz="2000" dirty="0" smtClean="0"/>
-              <a:t>These </a:t>
-            </a:r>
-            <a:r>
-              <a:rPr lang="en-US" sz="2000" dirty="0" smtClean="0"/>
-              <a:t>features </a:t>
-            </a:r>
-            <a:r>
-              <a:rPr lang="en-US" sz="2000" dirty="0" smtClean="0"/>
-              <a:t>are input to the second step, classification</a:t>
-            </a:r>
-            <a:r>
-              <a:rPr lang="en-US" sz="2000" dirty="0" smtClean="0"/>
-              <a:t>.</a:t>
+          </a:p>
+          <a:p>
+            <a:r>
+              <a:rPr lang="en-US" sz="2000" dirty="0" smtClean="0"/>
+              <a:t>These features are input to the second step, classification.</a:t>
             </a:r>
           </a:p>
           <a:p>
@@ -3551,7 +3526,6 @@
               <a:rPr lang="en-US" sz="2000" dirty="0" smtClean="0"/>
               <a:t>Initially, the algorithm needs a lot of positive images (images of faces) and negative images (images without faces) to train the classifier. </a:t>
             </a:r>
-            <a:endParaRPr lang="en-US" sz="2000" dirty="0" smtClean="0"/>
           </a:p>
           <a:p>
             <a:r>
@@ -3671,31 +3645,7 @@
           <a:p>
             <a:r>
               <a:rPr lang="en-US" sz="2000" dirty="0" smtClean="0"/>
-              <a:t>If </a:t>
-            </a:r>
-            <a:r>
-              <a:rPr lang="en-US" sz="2000" dirty="0" smtClean="0"/>
-              <a:t>we want </a:t>
-            </a:r>
-            <a:r>
-              <a:rPr lang="en-US" sz="2000" dirty="0" smtClean="0"/>
-              <a:t>to train </a:t>
-            </a:r>
-            <a:r>
-              <a:rPr lang="en-US" sz="2000" dirty="0" smtClean="0"/>
-              <a:t>our own </a:t>
-            </a:r>
-            <a:r>
-              <a:rPr lang="en-US" sz="2000" dirty="0" smtClean="0"/>
-              <a:t>classifier for any object like car, planes etc. </a:t>
-            </a:r>
-            <a:r>
-              <a:rPr lang="en-US" sz="2000" dirty="0" smtClean="0"/>
-              <a:t>we can </a:t>
-            </a:r>
-            <a:r>
-              <a:rPr lang="en-US" sz="2000" dirty="0" smtClean="0"/>
-              <a:t>use </a:t>
+              <a:t>If we want to train our own classifier for any object like car, planes etc. we can use </a:t>
             </a:r>
             <a:r>
               <a:rPr lang="en-US" sz="2000" dirty="0" err="1" smtClean="0"/>
@@ -3703,11 +3653,7 @@
             </a:r>
             <a:r>
               <a:rPr lang="en-US" sz="2000" dirty="0" smtClean="0"/>
-              <a:t> to create one</a:t>
-            </a:r>
-            <a:r>
-              <a:rPr lang="en-US" sz="2000" dirty="0" smtClean="0"/>
-              <a:t>.</a:t>
+              <a:t> to create one.</a:t>
             </a:r>
           </a:p>
           <a:p>
@@ -3730,11 +3676,7 @@
             </a:pPr>
             <a:r>
               <a:rPr lang="en-US" sz="2000" dirty="0" smtClean="0"/>
-              <a:t> </a:t>
-            </a:r>
-            <a:r>
-              <a:rPr lang="en-US" sz="2000" dirty="0" smtClean="0"/>
-              <a:t>        </a:t>
+              <a:t>         </a:t>
             </a:r>
             <a:r>
               <a:rPr lang="en-US" sz="2000" b="1" i="1" dirty="0" err="1" smtClean="0"/>
@@ -3877,11 +3819,7 @@
             </a:r>
             <a:r>
               <a:rPr lang="en-US" sz="2000" dirty="0" smtClean="0"/>
-              <a:t> </a:t>
-            </a:r>
-            <a:r>
-              <a:rPr lang="en-US" sz="2000" dirty="0" smtClean="0"/>
-              <a:t>by training cascade classifiers for the types of objects we want to detect.</a:t>
+              <a:t> by training cascade classifiers for the types of objects we want to detect.</a:t>
             </a:r>
           </a:p>
           <a:p>
@@ -3908,11 +3846,7 @@
             </a:pPr>
             <a:r>
               <a:rPr lang="en-US" sz="2000" dirty="0" smtClean="0"/>
-              <a:t>      Loads </a:t>
-            </a:r>
-            <a:r>
-              <a:rPr lang="en-US" sz="2000" dirty="0" smtClean="0"/>
-              <a:t>a classifier from a file.</a:t>
+              <a:t>      Loads a classifier from a file.</a:t>
             </a:r>
           </a:p>
           <a:p>
@@ -3921,11 +3855,7 @@
             </a:pPr>
             <a:r>
               <a:rPr lang="en-US" sz="2000" b="1" dirty="0" smtClean="0"/>
-              <a:t>      C</a:t>
-            </a:r>
-            <a:r>
-              <a:rPr lang="en-US" sz="2000" b="1" dirty="0" smtClean="0"/>
-              <a:t>++:</a:t>
+              <a:t>      C++:</a:t>
             </a:r>
             <a:r>
               <a:rPr lang="en-US" sz="2000" dirty="0" smtClean="0"/>
@@ -3997,14 +3927,6 @@
               </a:rPr>
               <a:t>)</a:t>
             </a:r>
-            <a:endParaRPr lang="en-US" sz="1800" dirty="0" smtClean="0">
-              <a:solidFill>
-                <a:schemeClr val="tx2">
-                  <a:lumMod val="60000"/>
-                  <a:lumOff val="40000"/>
-                </a:schemeClr>
-              </a:solidFill>
-            </a:endParaRPr>
           </a:p>
           <a:p>
             <a:endParaRPr lang="en-US" sz="2000" dirty="0" smtClean="0"/>
@@ -4015,11 +3937,7 @@
             </a:pPr>
             <a:r>
               <a:rPr lang="en-US" sz="2000" dirty="0" smtClean="0"/>
-              <a:t>      Detects </a:t>
-            </a:r>
-            <a:r>
-              <a:rPr lang="en-US" sz="2000" dirty="0" smtClean="0"/>
-              <a:t>objects of different sizes in the input image. The detected objects are returned as a list of rectangles.</a:t>
+              <a:t>      Detects objects of different sizes in the input image. The detected objects are returned as a list of rectangles.</a:t>
             </a:r>
           </a:p>
           <a:p>
@@ -4039,11 +3957,7 @@
             </a:r>
             <a:r>
               <a:rPr lang="en-US" sz="1800" b="1" dirty="0" smtClean="0"/>
-              <a:t>C</a:t>
-            </a:r>
-            <a:r>
-              <a:rPr lang="en-US" sz="1800" b="1" dirty="0" smtClean="0"/>
-              <a:t>++:</a:t>
+              <a:t>C++:</a:t>
             </a:r>
             <a:r>
               <a:rPr lang="en-US" sz="1800" dirty="0" smtClean="0"/>
@@ -4324,14 +4238,6 @@
               </a:rPr>
               <a:t>=Size())</a:t>
             </a:r>
-            <a:endParaRPr lang="en-US" sz="1800" dirty="0" smtClean="0">
-              <a:solidFill>
-                <a:schemeClr val="tx2">
-                  <a:lumMod val="60000"/>
-                  <a:lumOff val="40000"/>
-                </a:schemeClr>
-              </a:solidFill>
-            </a:endParaRPr>
           </a:p>
         </p:txBody>
       </p:sp>
@@ -4508,15 +4414,7 @@
             </a:r>
             <a:r>
               <a:rPr lang="en-US" sz="2000" dirty="0" smtClean="0"/>
-              <a:t> function, we can find all closed contours in the binary, </a:t>
-            </a:r>
-            <a:r>
-              <a:rPr lang="en-US" sz="2000" dirty="0" smtClean="0"/>
-              <a:t>including the ones formed by holes in the components</a:t>
-            </a:r>
-            <a:r>
-              <a:rPr lang="en-US" sz="2000" dirty="0" smtClean="0"/>
-              <a:t>.</a:t>
+              <a:t> function, we can find all closed contours in the binary, including the ones formed by holes in the components.</a:t>
             </a:r>
           </a:p>
           <a:p>
@@ -5866,11 +5764,7 @@
           <a:p>
             <a:r>
               <a:rPr lang="en-US" sz="2000" dirty="0" smtClean="0"/>
-              <a:t>Smoothing </a:t>
-            </a:r>
-            <a:r>
-              <a:rPr lang="en-US" sz="2000" dirty="0" smtClean="0"/>
-              <a:t>images is also used for reducing noise.</a:t>
+              <a:t>Smoothing images is also used for reducing noise.</a:t>
             </a:r>
           </a:p>
         </p:txBody>
@@ -5925,7 +5819,7 @@
         </p:blipFill>
         <p:spPr bwMode="auto">
           <a:xfrm>
-            <a:off x="971550" y="4133850"/>
+            <a:off x="971550" y="4514850"/>
             <a:ext cx="476250" cy="209550"/>
           </a:xfrm>
           <a:prstGeom prst="rect">
@@ -7419,7 +7313,7 @@
                   </a:schemeClr>
                 </a:solidFill>
               </a:rPr>
-              <a:t>HoughLinesP</a:t>
+              <a:t>HoughLines</a:t>
             </a:r>
             <a:r>
               <a:rPr lang="en-US" sz="1800" dirty="0" smtClean="0">
@@ -7599,7 +7493,7 @@
                   </a:schemeClr>
                 </a:solidFill>
               </a:rPr>
-              <a:t>minLineLength</a:t>
+              <a:t>srn</a:t>
             </a:r>
             <a:r>
               <a:rPr lang="en-US" sz="1800" dirty="0" smtClean="0">
@@ -7609,28 +7503,45 @@
                   </a:schemeClr>
                 </a:solidFill>
               </a:rPr>
-              <a:t>, double </a:t>
-            </a:r>
-            <a:r>
-              <a:rPr lang="en-US" sz="1800" b="1" dirty="0" err="1" smtClean="0">
+              <a:t> </a:t>
+            </a:r>
+            <a:r>
+              <a:rPr lang="en-US" sz="1800" dirty="0" smtClean="0">
                 <a:solidFill>
                   <a:schemeClr val="accent5">
                     <a:lumMod val="75000"/>
                   </a:schemeClr>
                 </a:solidFill>
               </a:rPr>
-              <a:t>maxLineGap</a:t>
-            </a:r>
-            <a:r>
-              <a:rPr lang="en-US" sz="1800" dirty="0" smtClean="0">
+              <a:t>double </a:t>
+            </a:r>
+            <a:r>
+              <a:rPr lang="en-US" sz="1800" b="1" dirty="0" err="1" smtClean="0">
                 <a:solidFill>
                   <a:schemeClr val="accent5">
                     <a:lumMod val="75000"/>
                   </a:schemeClr>
                 </a:solidFill>
               </a:rPr>
+              <a:t>stn</a:t>
+            </a:r>
+            <a:r>
+              <a:rPr lang="en-US" sz="1800" dirty="0" smtClean="0">
+                <a:solidFill>
+                  <a:schemeClr val="accent5">
+                    <a:lumMod val="75000"/>
+                  </a:schemeClr>
+                </a:solidFill>
+              </a:rPr>
               <a:t>)</a:t>
             </a:r>
+            <a:endParaRPr lang="en-US" sz="1800" dirty="0" smtClean="0">
+              <a:solidFill>
+                <a:schemeClr val="accent5">
+                  <a:lumMod val="75000"/>
+                </a:schemeClr>
+              </a:solidFill>
+            </a:endParaRPr>
           </a:p>
           <a:p>
             <a:pPr>
